--- a/DB Design.pptx
+++ b/DB Design.pptx
@@ -3111,8 +3111,8 @@
         </p:nvSpPr>
         <p:spPr>
           <a:xfrm>
-            <a:off x="5323496" y="2794000"/>
-            <a:ext cx="1661568" cy="2895799"/>
+            <a:off x="5323496" y="2146498"/>
+            <a:ext cx="1661568" cy="3543301"/>
           </a:xfrm>
           <a:prstGeom prst="rect">
             <a:avLst/>
@@ -3153,8 +3153,8 @@
         </p:nvSpPr>
         <p:spPr>
           <a:xfrm>
-            <a:off x="5861088" y="2781299"/>
-            <a:ext cx="749351" cy="381001"/>
+            <a:off x="5779604" y="2169122"/>
+            <a:ext cx="749352" cy="381001"/>
           </a:xfrm>
           <a:prstGeom prst="rect">
             <a:avLst/>
@@ -3868,7 +3868,11 @@
           </a:p>
           <a:p>
             <a:pPr algn="l">
-              <a:defRPr sz="1400"/>
+              <a:defRPr sz="1400">
+                <a:solidFill>
+                  <a:srgbClr val="0000BE"/>
+                </a:solidFill>
+              </a:defRPr>
             </a:pPr>
             <a:r>
               <a:t>task_name</a:t>
@@ -4056,8 +4060,8 @@
         </p:nvSpPr>
         <p:spPr>
           <a:xfrm>
-            <a:off x="5323496" y="3136900"/>
-            <a:ext cx="1661568" cy="0"/>
+            <a:off x="5323496" y="2543772"/>
+            <a:ext cx="1661568" cy="1"/>
           </a:xfrm>
           <a:prstGeom prst="line">
             <a:avLst/>
@@ -4087,7 +4091,7 @@
         </p:nvSpPr>
         <p:spPr>
           <a:xfrm>
-            <a:off x="5328691" y="1295399"/>
+            <a:off x="5362320" y="927099"/>
             <a:ext cx="1625956" cy="4419601"/>
           </a:xfrm>
           <a:prstGeom prst="rect">
@@ -4149,7 +4153,7 @@
           </a:p>
           <a:p>
             <a:pPr algn="l">
-              <a:defRPr sz="1400"/>
+              <a:defRPr sz="1400" u="sng"/>
             </a:pPr>
             <a:r>
               <a:t>model_id</a:t>
@@ -4157,15 +4161,11 @@
           </a:p>
           <a:p>
             <a:pPr algn="l">
-              <a:defRPr sz="1400" u="sng"/>
-            </a:pPr>
-            <a:r>
-              <a:t>model_name</a:t>
-            </a:r>
-          </a:p>
-          <a:p>
-            <a:pPr algn="l">
-              <a:defRPr sz="1400"/>
+              <a:defRPr sz="1400">
+                <a:solidFill>
+                  <a:srgbClr val="0000C6"/>
+                </a:solidFill>
+              </a:defRPr>
             </a:pPr>
             <a:r>
               <a:t>model_type_name</a:t>
@@ -4205,10 +4205,14 @@
           </a:p>
           <a:p>
             <a:pPr algn="l">
-              <a:defRPr sz="1400"/>
-            </a:pPr>
-            <a:r>
-              <a:t>client_id</a:t>
+              <a:defRPr sz="1400">
+                <a:solidFill>
+                  <a:srgbClr val="0000CE"/>
+                </a:solidFill>
+              </a:defRPr>
+            </a:pPr>
+            <a:r>
+              <a:t>client_name</a:t>
             </a:r>
           </a:p>
           <a:p>
@@ -4232,7 +4236,7 @@
               <a:defRPr sz="1400"/>
             </a:pPr>
             <a:r>
-              <a:t>latest_trained_</a:t>
+              <a:t>la_trained_</a:t>
             </a:r>
           </a:p>
           <a:p>
@@ -4241,6 +4245,14 @@
             </a:pPr>
             <a:r>
               <a:t>model_path</a:t>
+            </a:r>
+          </a:p>
+          <a:p>
+            <a:pPr algn="l">
+              <a:defRPr sz="1400"/>
+            </a:pPr>
+            <a:r>
+              <a:t>model_metrics</a:t>
             </a:r>
           </a:p>
         </p:txBody>
@@ -4343,7 +4355,11 @@
           </a:p>
           <a:p>
             <a:pPr algn="l">
-              <a:defRPr sz="1400" u="sng"/>
+              <a:defRPr sz="1400" u="sng">
+                <a:solidFill>
+                  <a:srgbClr val="4E5AF5"/>
+                </a:solidFill>
+              </a:defRPr>
             </a:pPr>
             <a:r>
               <a:t>client_name</a:t>
@@ -4351,7 +4367,11 @@
           </a:p>
           <a:p>
             <a:pPr algn="l">
-              <a:defRPr sz="1400" u="sng"/>
+              <a:defRPr sz="1400" u="sng">
+                <a:solidFill>
+                  <a:srgbClr val="0000EA"/>
+                </a:solidFill>
+              </a:defRPr>
             </a:pPr>
             <a:r>
               <a:t>task_name</a:t>
@@ -4554,15 +4574,31 @@
               <a:defRPr sz="1400"/>
             </a:pPr>
             <a:r>
-              <a:t>client_name ?</a:t>
-            </a:r>
-          </a:p>
-          <a:p>
-            <a:pPr algn="l">
-              <a:defRPr sz="1400"/>
-            </a:pPr>
-            <a:r>
-              <a:t>task_name ?</a:t>
+              <a:rPr>
+                <a:solidFill>
+                  <a:srgbClr val="1A28D2"/>
+                </a:solidFill>
+              </a:rPr>
+              <a:t>client_name</a:t>
+            </a:r>
+            <a:r>
+              <a:t> </a:t>
+            </a:r>
+          </a:p>
+          <a:p>
+            <a:pPr algn="l">
+              <a:defRPr sz="1400"/>
+            </a:pPr>
+            <a:r>
+              <a:rPr>
+                <a:solidFill>
+                  <a:srgbClr val="1A28D2"/>
+                </a:solidFill>
+              </a:rPr>
+              <a:t>task_name</a:t>
+            </a:r>
+            <a:r>
+              <a:t> </a:t>
             </a:r>
           </a:p>
           <a:p>
@@ -4669,8 +4705,8 @@
         </p:nvSpPr>
         <p:spPr>
           <a:xfrm>
-            <a:off x="5413146" y="4277503"/>
-            <a:ext cx="2060677" cy="4208146"/>
+            <a:off x="5381240" y="4281300"/>
+            <a:ext cx="1971600" cy="4208146"/>
           </a:xfrm>
           <a:prstGeom prst="rect">
             <a:avLst/>
@@ -4749,7 +4785,11 @@
           </a:p>
           <a:p>
             <a:pPr algn="l">
-              <a:defRPr sz="1400"/>
+              <a:defRPr sz="1400">
+                <a:solidFill>
+                  <a:srgbClr val="0000CA"/>
+                </a:solidFill>
+              </a:defRPr>
             </a:pPr>
             <a:r>
               <a:t>model_id</a:t>
@@ -4792,7 +4832,7 @@
               <a:defRPr sz="1400"/>
             </a:pPr>
             <a:r>
-              <a:t>trained_model_file_path</a:t>
+              <a:t>trained_model_path</a:t>
             </a:r>
           </a:p>
           <a:p>
@@ -4936,6 +4976,932 @@
             <a:pPr>
               <a:defRPr sz="2400"/>
             </a:pPr>
+          </a:p>
+        </p:txBody>
+      </p:sp>
+      <p:sp>
+        <p:nvSpPr>
+          <p:cNvPr id="156" name="Shape 156"/>
+          <p:cNvSpPr/>
+          <p:nvPr/>
+        </p:nvSpPr>
+        <p:spPr>
+          <a:xfrm>
+            <a:off x="8860600" y="79582"/>
+            <a:ext cx="4239035" cy="7391433"/>
+          </a:xfrm>
+          <a:prstGeom prst="rect">
+            <a:avLst/>
+          </a:prstGeom>
+          <a:ln w="12700">
+            <a:miter lim="400000"/>
+          </a:ln>
+          <a:extLst>
+            <a:ext uri="{C572A759-6A51-4108-AA02-DFA0A04FC94B}">
+              <ma14:wrappingTextBoxFlag xmlns:ma14="http://schemas.microsoft.com/office/mac/drawingml/2011/main" val="1"/>
+            </a:ext>
+          </a:extLst>
+        </p:spPr>
+        <p:txBody>
+          <a:bodyPr wrap="none" lIns="50800" tIns="50800" rIns="50800" bIns="50800" anchor="ctr">
+            <a:spAutoFit/>
+          </a:bodyPr>
+          <a:lstStyle/>
+          <a:p>
+            <a:pPr algn="l">
+              <a:defRPr sz="1200"/>
+            </a:pPr>
+          </a:p>
+          <a:p>
+            <a:pPr algn="l">
+              <a:defRPr sz="1200"/>
+            </a:pPr>
+            <a:r>
+              <a:t>1. System setup  </a:t>
+            </a:r>
+          </a:p>
+          <a:p>
+            <a:pPr algn="l">
+              <a:defRPr sz="1200"/>
+            </a:pPr>
+            <a:r>
+              <a:rPr b="1">
+                <a:latin typeface="Helvetica"/>
+                <a:ea typeface="Helvetica"/>
+                <a:cs typeface="Helvetica"/>
+                <a:sym typeface="Helvetica"/>
+              </a:rPr>
+              <a:t>task</a:t>
+            </a:r>
+            <a:r>
+              <a:t>: NER, Classification</a:t>
+            </a:r>
+          </a:p>
+          <a:p>
+            <a:pPr algn="l">
+              <a:defRPr sz="1200"/>
+            </a:pPr>
+            <a:r>
+              <a:rPr b="1">
+                <a:latin typeface="Helvetica"/>
+                <a:ea typeface="Helvetica"/>
+                <a:cs typeface="Helvetica"/>
+                <a:sym typeface="Helvetica"/>
+              </a:rPr>
+              <a:t>model_type</a:t>
+            </a:r>
+            <a:r>
+              <a:t>: xgboost classifier, </a:t>
+            </a:r>
+          </a:p>
+          <a:p>
+            <a:pPr algn="l">
+              <a:defRPr sz="1200"/>
+            </a:pPr>
+            <a:r>
+              <a:t>SVM classifier, BERT NER…</a:t>
+            </a:r>
+          </a:p>
+          <a:p>
+            <a:pPr algn="l">
+              <a:defRPr sz="1200"/>
+            </a:pPr>
+          </a:p>
+          <a:p>
+            <a:pPr algn="l">
+              <a:defRPr sz="1200"/>
+            </a:pPr>
+            <a:r>
+              <a:t>2. Client register</a:t>
+            </a:r>
+          </a:p>
+          <a:p>
+            <a:pPr algn="l">
+              <a:defRPr b="1" sz="1200">
+                <a:latin typeface="Helvetica"/>
+                <a:ea typeface="Helvetica"/>
+                <a:cs typeface="Helvetica"/>
+                <a:sym typeface="Helvetica"/>
+              </a:defRPr>
+            </a:pPr>
+            <a:r>
+              <a:t>client: </a:t>
+            </a:r>
+            <a:r>
+              <a:rPr b="0">
+                <a:latin typeface="+mn-lt"/>
+                <a:ea typeface="+mn-ea"/>
+                <a:cs typeface="+mn-cs"/>
+                <a:sym typeface="Helvetica Light"/>
+              </a:rPr>
+              <a:t>SFE, QMA…</a:t>
+            </a:r>
+            <a:endParaRPr b="0">
+              <a:latin typeface="+mn-lt"/>
+              <a:ea typeface="+mn-ea"/>
+              <a:cs typeface="+mn-cs"/>
+              <a:sym typeface="Helvetica Light"/>
+            </a:endParaRPr>
+          </a:p>
+          <a:p>
+            <a:pPr algn="l">
+              <a:defRPr b="1" sz="1200">
+                <a:latin typeface="Helvetica"/>
+                <a:ea typeface="Helvetica"/>
+                <a:cs typeface="Helvetica"/>
+                <a:sym typeface="Helvetica"/>
+              </a:defRPr>
+            </a:pPr>
+            <a:r>
+              <a:t>client_task: </a:t>
+            </a:r>
+            <a:r>
+              <a:rPr b="0">
+                <a:latin typeface="+mn-lt"/>
+                <a:ea typeface="+mn-ea"/>
+                <a:cs typeface="+mn-cs"/>
+                <a:sym typeface="Helvetica Light"/>
+              </a:rPr>
+              <a:t>mapping client with </a:t>
+            </a:r>
+            <a:endParaRPr b="0">
+              <a:latin typeface="+mn-lt"/>
+              <a:ea typeface="+mn-ea"/>
+              <a:cs typeface="+mn-cs"/>
+              <a:sym typeface="Helvetica Light"/>
+            </a:endParaRPr>
+          </a:p>
+          <a:p>
+            <a:pPr algn="l">
+              <a:defRPr b="1" sz="1200">
+                <a:latin typeface="Helvetica"/>
+                <a:ea typeface="Helvetica"/>
+                <a:cs typeface="Helvetica"/>
+                <a:sym typeface="Helvetica"/>
+              </a:defRPr>
+            </a:pPr>
+            <a:r>
+              <a:rPr b="0">
+                <a:latin typeface="+mn-lt"/>
+                <a:ea typeface="+mn-ea"/>
+                <a:cs typeface="+mn-cs"/>
+                <a:sym typeface="Helvetica Light"/>
+              </a:rPr>
+              <a:t>task</a:t>
+            </a:r>
+            <a:endParaRPr b="0">
+              <a:latin typeface="+mn-lt"/>
+              <a:ea typeface="+mn-ea"/>
+              <a:cs typeface="+mn-cs"/>
+              <a:sym typeface="Helvetica Light"/>
+            </a:endParaRPr>
+          </a:p>
+          <a:p>
+            <a:pPr algn="l">
+              <a:defRPr b="1" sz="1200">
+                <a:latin typeface="Helvetica"/>
+                <a:ea typeface="Helvetica"/>
+                <a:cs typeface="Helvetica"/>
+                <a:sym typeface="Helvetica"/>
+              </a:defRPr>
+            </a:pPr>
+            <a:r>
+              <a:t>model: </a:t>
+            </a:r>
+            <a:r>
+              <a:rPr b="0">
+                <a:latin typeface="+mn-lt"/>
+                <a:ea typeface="+mn-ea"/>
+                <a:cs typeface="+mn-cs"/>
+                <a:sym typeface="Helvetica Light"/>
+              </a:rPr>
+              <a:t>insert models used for</a:t>
+            </a:r>
+            <a:endParaRPr b="0">
+              <a:latin typeface="+mn-lt"/>
+              <a:ea typeface="+mn-ea"/>
+              <a:cs typeface="+mn-cs"/>
+              <a:sym typeface="Helvetica Light"/>
+            </a:endParaRPr>
+          </a:p>
+          <a:p>
+            <a:pPr algn="l">
+              <a:defRPr b="1" sz="1200">
+                <a:latin typeface="Helvetica"/>
+                <a:ea typeface="Helvetica"/>
+                <a:cs typeface="Helvetica"/>
+                <a:sym typeface="Helvetica"/>
+              </a:defRPr>
+            </a:pPr>
+            <a:r>
+              <a:rPr b="0">
+                <a:solidFill>
+                  <a:srgbClr val="DE0000"/>
+                </a:solidFill>
+                <a:latin typeface="+mn-lt"/>
+                <a:ea typeface="+mn-ea"/>
+                <a:cs typeface="+mn-cs"/>
+                <a:sym typeface="Helvetica Light"/>
+              </a:rPr>
+              <a:t>prediction</a:t>
+            </a:r>
+            <a:r>
+              <a:rPr b="0">
+                <a:latin typeface="+mn-lt"/>
+                <a:ea typeface="+mn-ea"/>
+                <a:cs typeface="+mn-cs"/>
+                <a:sym typeface="Helvetica Light"/>
+              </a:rPr>
+              <a:t> process triggered by </a:t>
+            </a:r>
+            <a:endParaRPr b="0">
+              <a:latin typeface="+mn-lt"/>
+              <a:ea typeface="+mn-ea"/>
+              <a:cs typeface="+mn-cs"/>
+              <a:sym typeface="Helvetica Light"/>
+            </a:endParaRPr>
+          </a:p>
+          <a:p>
+            <a:pPr algn="l">
+              <a:defRPr b="1" sz="1200">
+                <a:latin typeface="Helvetica"/>
+                <a:ea typeface="Helvetica"/>
+                <a:cs typeface="Helvetica"/>
+                <a:sym typeface="Helvetica"/>
+              </a:defRPr>
+            </a:pPr>
+            <a:r>
+              <a:rPr b="0">
+                <a:latin typeface="+mn-lt"/>
+                <a:ea typeface="+mn-ea"/>
+                <a:cs typeface="+mn-cs"/>
+                <a:sym typeface="Helvetica Light"/>
+              </a:rPr>
+              <a:t>registered client </a:t>
+            </a:r>
+            <a:endParaRPr b="0">
+              <a:latin typeface="+mn-lt"/>
+              <a:ea typeface="+mn-ea"/>
+              <a:cs typeface="+mn-cs"/>
+              <a:sym typeface="Helvetica Light"/>
+            </a:endParaRPr>
+          </a:p>
+          <a:p>
+            <a:pPr algn="l">
+              <a:defRPr b="1" sz="1200">
+                <a:latin typeface="Helvetica"/>
+                <a:ea typeface="Helvetica"/>
+                <a:cs typeface="Helvetica"/>
+                <a:sym typeface="Helvetica"/>
+              </a:defRPr>
+            </a:pPr>
+            <a:endParaRPr b="0">
+              <a:latin typeface="+mn-lt"/>
+              <a:ea typeface="+mn-ea"/>
+              <a:cs typeface="+mn-cs"/>
+              <a:sym typeface="Helvetica Light"/>
+            </a:endParaRPr>
+          </a:p>
+          <a:p>
+            <a:pPr algn="l">
+              <a:defRPr sz="1200"/>
+            </a:pPr>
+            <a:r>
+              <a:t>3</a:t>
+            </a:r>
+            <a:r>
+              <a:t>. Training data collection </a:t>
+            </a:r>
+          </a:p>
+          <a:p>
+            <a:pPr algn="l">
+              <a:defRPr sz="1200"/>
+            </a:pPr>
+            <a:r>
+              <a:t>(Index API/Serv)</a:t>
+            </a:r>
+          </a:p>
+          <a:p>
+            <a:pPr algn="l">
+              <a:defRPr b="1" sz="1200">
+                <a:latin typeface="Helvetica"/>
+                <a:ea typeface="Helvetica"/>
+                <a:cs typeface="Helvetica"/>
+                <a:sym typeface="Helvetica"/>
+              </a:defRPr>
+            </a:pPr>
+            <a:r>
+              <a:t>training_data: </a:t>
+            </a:r>
+            <a:r>
+              <a:rPr b="0">
+                <a:latin typeface="+mn-lt"/>
+                <a:ea typeface="+mn-ea"/>
+                <a:cs typeface="+mn-cs"/>
+                <a:sym typeface="Helvetica Light"/>
+              </a:rPr>
+              <a:t>indexing</a:t>
+            </a:r>
+            <a:r>
+              <a:t> </a:t>
+            </a:r>
+            <a:r>
+              <a:rPr b="0">
+                <a:latin typeface="+mn-lt"/>
+                <a:ea typeface="+mn-ea"/>
+                <a:cs typeface="+mn-cs"/>
+                <a:sym typeface="Helvetica Light"/>
+              </a:rPr>
+              <a:t>data input by client</a:t>
+            </a:r>
+            <a:endParaRPr b="0">
+              <a:latin typeface="+mn-lt"/>
+              <a:ea typeface="+mn-ea"/>
+              <a:cs typeface="+mn-cs"/>
+              <a:sym typeface="Helvetica Light"/>
+            </a:endParaRPr>
+          </a:p>
+          <a:p>
+            <a:pPr algn="l">
+              <a:defRPr b="1" sz="1200">
+                <a:latin typeface="Helvetica"/>
+                <a:ea typeface="Helvetica"/>
+                <a:cs typeface="Helvetica"/>
+                <a:sym typeface="Helvetica"/>
+              </a:defRPr>
+            </a:pPr>
+            <a:r>
+              <a:rPr b="0">
+                <a:latin typeface="+mn-lt"/>
+                <a:ea typeface="+mn-ea"/>
+                <a:cs typeface="+mn-cs"/>
+                <a:sym typeface="Helvetica Light"/>
+              </a:rPr>
+              <a:t>for the specific task </a:t>
+            </a:r>
+            <a:endParaRPr b="0">
+              <a:latin typeface="+mn-lt"/>
+              <a:ea typeface="+mn-ea"/>
+              <a:cs typeface="+mn-cs"/>
+              <a:sym typeface="Helvetica Light"/>
+            </a:endParaRPr>
+          </a:p>
+          <a:p>
+            <a:pPr algn="l">
+              <a:defRPr b="1" sz="1200">
+                <a:latin typeface="Helvetica"/>
+                <a:ea typeface="Helvetica"/>
+                <a:cs typeface="Helvetica"/>
+                <a:sym typeface="Helvetica"/>
+              </a:defRPr>
+            </a:pPr>
+            <a:r>
+              <a:t>training_process</a:t>
+            </a:r>
+            <a:r>
+              <a:rPr b="0">
+                <a:latin typeface="+mn-lt"/>
+                <a:ea typeface="+mn-ea"/>
+                <a:cs typeface="+mn-cs"/>
+                <a:sym typeface="Helvetica Light"/>
+              </a:rPr>
+              <a:t>: create a training </a:t>
+            </a:r>
+            <a:endParaRPr b="0">
+              <a:latin typeface="+mn-lt"/>
+              <a:ea typeface="+mn-ea"/>
+              <a:cs typeface="+mn-cs"/>
+              <a:sym typeface="Helvetica Light"/>
+            </a:endParaRPr>
+          </a:p>
+          <a:p>
+            <a:pPr algn="l">
+              <a:defRPr b="1" sz="1200">
+                <a:latin typeface="Helvetica"/>
+                <a:ea typeface="Helvetica"/>
+                <a:cs typeface="Helvetica"/>
+                <a:sym typeface="Helvetica"/>
+              </a:defRPr>
+            </a:pPr>
+            <a:r>
+              <a:rPr b="0">
+                <a:latin typeface="+mn-lt"/>
+                <a:ea typeface="+mn-ea"/>
+                <a:cs typeface="+mn-cs"/>
+                <a:sym typeface="Helvetica Light"/>
+              </a:rPr>
+              <a:t>process for model pending for train</a:t>
+            </a:r>
+            <a:endParaRPr b="0">
+              <a:latin typeface="+mn-lt"/>
+              <a:ea typeface="+mn-ea"/>
+              <a:cs typeface="+mn-cs"/>
+              <a:sym typeface="Helvetica Light"/>
+            </a:endParaRPr>
+          </a:p>
+          <a:p>
+            <a:pPr algn="l">
+              <a:defRPr b="1" sz="1200">
+                <a:latin typeface="Helvetica"/>
+                <a:ea typeface="Helvetica"/>
+                <a:cs typeface="Helvetica"/>
+                <a:sym typeface="Helvetica"/>
+              </a:defRPr>
+            </a:pPr>
+            <a:r>
+              <a:rPr b="0">
+                <a:latin typeface="+mn-lt"/>
+                <a:ea typeface="+mn-ea"/>
+                <a:cs typeface="+mn-cs"/>
+                <a:sym typeface="Helvetica Light"/>
+              </a:rPr>
+              <a:t>(How to trigger training process?)</a:t>
+            </a:r>
+            <a:endParaRPr b="0">
+              <a:latin typeface="+mn-lt"/>
+              <a:ea typeface="+mn-ea"/>
+              <a:cs typeface="+mn-cs"/>
+              <a:sym typeface="Helvetica Light"/>
+            </a:endParaRPr>
+          </a:p>
+          <a:p>
+            <a:pPr algn="l">
+              <a:defRPr b="1" sz="1200">
+                <a:latin typeface="Helvetica"/>
+                <a:ea typeface="Helvetica"/>
+                <a:cs typeface="Helvetica"/>
+                <a:sym typeface="Helvetica"/>
+              </a:defRPr>
+            </a:pPr>
+            <a:endParaRPr b="0">
+              <a:latin typeface="+mn-lt"/>
+              <a:ea typeface="+mn-ea"/>
+              <a:cs typeface="+mn-cs"/>
+              <a:sym typeface="Helvetica Light"/>
+            </a:endParaRPr>
+          </a:p>
+          <a:p>
+            <a:pPr algn="l">
+              <a:defRPr b="1" sz="1200">
+                <a:latin typeface="Helvetica"/>
+                <a:ea typeface="Helvetica"/>
+                <a:cs typeface="Helvetica"/>
+                <a:sym typeface="Helvetica"/>
+              </a:defRPr>
+            </a:pPr>
+            <a:r>
+              <a:rPr b="0">
+                <a:latin typeface="+mn-lt"/>
+                <a:ea typeface="+mn-ea"/>
+                <a:cs typeface="+mn-cs"/>
+                <a:sym typeface="Helvetica Light"/>
+              </a:rPr>
+              <a:t>4. Model training (Training API/Serv)</a:t>
+            </a:r>
+            <a:endParaRPr b="0">
+              <a:latin typeface="+mn-lt"/>
+              <a:ea typeface="+mn-ea"/>
+              <a:cs typeface="+mn-cs"/>
+              <a:sym typeface="Helvetica Light"/>
+            </a:endParaRPr>
+          </a:p>
+          <a:p>
+            <a:pPr algn="l">
+              <a:defRPr b="1" sz="1200">
+                <a:latin typeface="Helvetica"/>
+                <a:ea typeface="Helvetica"/>
+                <a:cs typeface="Helvetica"/>
+                <a:sym typeface="Helvetica"/>
+              </a:defRPr>
+            </a:pPr>
+            <a:r>
+              <a:rPr b="0">
+                <a:latin typeface="+mn-lt"/>
+                <a:ea typeface="+mn-ea"/>
+                <a:cs typeface="+mn-cs"/>
+                <a:sym typeface="Helvetica Light"/>
+              </a:rPr>
+              <a:t>a.Start training model (status in progress)</a:t>
+            </a:r>
+            <a:endParaRPr b="0">
+              <a:latin typeface="+mn-lt"/>
+              <a:ea typeface="+mn-ea"/>
+              <a:cs typeface="+mn-cs"/>
+              <a:sym typeface="Helvetica Light"/>
+            </a:endParaRPr>
+          </a:p>
+          <a:p>
+            <a:pPr algn="l">
+              <a:defRPr b="1" sz="1200">
+                <a:latin typeface="Helvetica"/>
+                <a:ea typeface="Helvetica"/>
+                <a:cs typeface="Helvetica"/>
+                <a:sym typeface="Helvetica"/>
+              </a:defRPr>
+            </a:pPr>
+            <a:r>
+              <a:rPr b="0">
+                <a:latin typeface="+mn-lt"/>
+                <a:ea typeface="+mn-ea"/>
+                <a:cs typeface="+mn-cs"/>
+                <a:sym typeface="Helvetica Light"/>
+              </a:rPr>
+              <a:t>b. Upload model to artifactory when training</a:t>
+            </a:r>
+            <a:endParaRPr b="0">
+              <a:latin typeface="+mn-lt"/>
+              <a:ea typeface="+mn-ea"/>
+              <a:cs typeface="+mn-cs"/>
+              <a:sym typeface="Helvetica Light"/>
+            </a:endParaRPr>
+          </a:p>
+          <a:p>
+            <a:pPr algn="l">
+              <a:defRPr b="1" sz="1200">
+                <a:latin typeface="Helvetica"/>
+                <a:ea typeface="Helvetica"/>
+                <a:cs typeface="Helvetica"/>
+                <a:sym typeface="Helvetica"/>
+              </a:defRPr>
+            </a:pPr>
+            <a:r>
+              <a:rPr b="0">
+                <a:latin typeface="+mn-lt"/>
+                <a:ea typeface="+mn-ea"/>
+                <a:cs typeface="+mn-cs"/>
+                <a:sym typeface="Helvetica Light"/>
+              </a:rPr>
+              <a:t>finished. </a:t>
+            </a:r>
+            <a:endParaRPr b="0">
+              <a:latin typeface="+mn-lt"/>
+              <a:ea typeface="+mn-ea"/>
+              <a:cs typeface="+mn-cs"/>
+              <a:sym typeface="Helvetica Light"/>
+            </a:endParaRPr>
+          </a:p>
+          <a:p>
+            <a:pPr algn="l">
+              <a:defRPr b="1" sz="1200">
+                <a:latin typeface="Helvetica"/>
+                <a:ea typeface="Helvetica"/>
+                <a:cs typeface="Helvetica"/>
+                <a:sym typeface="Helvetica"/>
+              </a:defRPr>
+            </a:pPr>
+            <a:r>
+              <a:rPr b="0">
+                <a:latin typeface="+mn-lt"/>
+                <a:ea typeface="+mn-ea"/>
+                <a:cs typeface="+mn-cs"/>
+                <a:sym typeface="Helvetica Light"/>
+              </a:rPr>
+              <a:t>c. update model path, metrics and status </a:t>
+            </a:r>
+            <a:endParaRPr b="0">
+              <a:latin typeface="+mn-lt"/>
+              <a:ea typeface="+mn-ea"/>
+              <a:cs typeface="+mn-cs"/>
+              <a:sym typeface="Helvetica Light"/>
+            </a:endParaRPr>
+          </a:p>
+          <a:p>
+            <a:pPr algn="l">
+              <a:defRPr b="1" sz="1200">
+                <a:latin typeface="Helvetica"/>
+                <a:ea typeface="Helvetica"/>
+                <a:cs typeface="Helvetica"/>
+                <a:sym typeface="Helvetica"/>
+              </a:defRPr>
+            </a:pPr>
+            <a:r>
+              <a:rPr b="0">
+                <a:latin typeface="+mn-lt"/>
+                <a:ea typeface="+mn-ea"/>
+                <a:cs typeface="+mn-cs"/>
+                <a:sym typeface="Helvetica Light"/>
+              </a:rPr>
+              <a:t>(completed) in </a:t>
+            </a:r>
+            <a:r>
+              <a:t>training_process</a:t>
+            </a:r>
+          </a:p>
+          <a:p>
+            <a:pPr algn="l">
+              <a:defRPr b="1" sz="1200">
+                <a:latin typeface="Helvetica"/>
+                <a:ea typeface="Helvetica"/>
+                <a:cs typeface="Helvetica"/>
+                <a:sym typeface="Helvetica"/>
+              </a:defRPr>
+            </a:pPr>
+            <a:r>
+              <a:rPr b="0">
+                <a:latin typeface="+mn-lt"/>
+                <a:ea typeface="+mn-ea"/>
+                <a:cs typeface="+mn-cs"/>
+                <a:sym typeface="Helvetica Light"/>
+              </a:rPr>
+              <a:t>d. Update modelpath, metrics and status </a:t>
+            </a:r>
+            <a:endParaRPr b="0">
+              <a:latin typeface="+mn-lt"/>
+              <a:ea typeface="+mn-ea"/>
+              <a:cs typeface="+mn-cs"/>
+              <a:sym typeface="Helvetica Light"/>
+            </a:endParaRPr>
+          </a:p>
+          <a:p>
+            <a:pPr algn="l">
+              <a:defRPr b="1" sz="1200">
+                <a:latin typeface="Helvetica"/>
+                <a:ea typeface="Helvetica"/>
+                <a:cs typeface="Helvetica"/>
+                <a:sym typeface="Helvetica"/>
+              </a:defRPr>
+            </a:pPr>
+            <a:r>
+              <a:rPr b="0">
+                <a:latin typeface="+mn-lt"/>
+                <a:ea typeface="+mn-ea"/>
+                <a:cs typeface="+mn-cs"/>
+                <a:sym typeface="Helvetica Light"/>
+              </a:rPr>
+              <a:t>(completed) in </a:t>
+            </a:r>
+            <a:r>
+              <a:t>training_process. </a:t>
+            </a:r>
+          </a:p>
+          <a:p>
+            <a:pPr algn="l">
+              <a:defRPr b="1" sz="1200">
+                <a:latin typeface="Helvetica"/>
+                <a:ea typeface="Helvetica"/>
+                <a:cs typeface="Helvetica"/>
+                <a:sym typeface="Helvetica"/>
+              </a:defRPr>
+            </a:pPr>
+            <a:r>
+              <a:rPr b="0">
+                <a:latin typeface="+mn-lt"/>
+                <a:ea typeface="+mn-ea"/>
+                <a:cs typeface="+mn-cs"/>
+                <a:sym typeface="Helvetica Light"/>
+              </a:rPr>
+              <a:t>If the current metrics better than </a:t>
+            </a:r>
+            <a:endParaRPr b="0">
+              <a:latin typeface="+mn-lt"/>
+              <a:ea typeface="+mn-ea"/>
+              <a:cs typeface="+mn-cs"/>
+              <a:sym typeface="Helvetica Light"/>
+            </a:endParaRPr>
+          </a:p>
+          <a:p>
+            <a:pPr algn="l">
+              <a:defRPr b="1" sz="1200">
+                <a:latin typeface="Helvetica"/>
+                <a:ea typeface="Helvetica"/>
+                <a:cs typeface="Helvetica"/>
+                <a:sym typeface="Helvetica"/>
+              </a:defRPr>
+            </a:pPr>
+            <a:r>
+              <a:t>model</a:t>
+            </a:r>
+            <a:r>
+              <a:rPr b="0">
+                <a:latin typeface="+mn-lt"/>
+                <a:ea typeface="+mn-ea"/>
+                <a:cs typeface="+mn-cs"/>
+                <a:sym typeface="Helvetica Light"/>
+              </a:rPr>
+              <a:t>.model_metrics, update </a:t>
+            </a:r>
+            <a:endParaRPr b="0">
+              <a:latin typeface="+mn-lt"/>
+              <a:ea typeface="+mn-ea"/>
+              <a:cs typeface="+mn-cs"/>
+              <a:sym typeface="Helvetica Light"/>
+            </a:endParaRPr>
+          </a:p>
+          <a:p>
+            <a:pPr algn="l">
+              <a:defRPr b="1" sz="1200">
+                <a:latin typeface="Helvetica"/>
+                <a:ea typeface="Helvetica"/>
+                <a:cs typeface="Helvetica"/>
+                <a:sym typeface="Helvetica"/>
+              </a:defRPr>
+            </a:pPr>
+            <a:r>
+              <a:t>model</a:t>
+            </a:r>
+            <a:r>
+              <a:rPr b="0">
+                <a:latin typeface="+mn-lt"/>
+                <a:ea typeface="+mn-ea"/>
+                <a:cs typeface="+mn-cs"/>
+                <a:sym typeface="Helvetica Light"/>
+              </a:rPr>
+              <a:t>.model_path and </a:t>
+            </a:r>
+            <a:r>
+              <a:t>model</a:t>
+            </a:r>
+            <a:r>
+              <a:rPr b="0">
+                <a:latin typeface="+mn-lt"/>
+                <a:ea typeface="+mn-ea"/>
+                <a:cs typeface="+mn-cs"/>
+                <a:sym typeface="Helvetica Light"/>
+              </a:rPr>
+              <a:t>.model_metrics </a:t>
+            </a:r>
+            <a:endParaRPr b="0">
+              <a:latin typeface="+mn-lt"/>
+              <a:ea typeface="+mn-ea"/>
+              <a:cs typeface="+mn-cs"/>
+              <a:sym typeface="Helvetica Light"/>
+            </a:endParaRPr>
+          </a:p>
+          <a:p>
+            <a:pPr algn="l">
+              <a:defRPr b="1" sz="1200">
+                <a:latin typeface="Helvetica"/>
+                <a:ea typeface="Helvetica"/>
+                <a:cs typeface="Helvetica"/>
+                <a:sym typeface="Helvetica"/>
+              </a:defRPr>
+            </a:pPr>
+            <a:endParaRPr b="0">
+              <a:latin typeface="+mn-lt"/>
+              <a:ea typeface="+mn-ea"/>
+              <a:cs typeface="+mn-cs"/>
+              <a:sym typeface="Helvetica Light"/>
+            </a:endParaRPr>
+          </a:p>
+          <a:p>
+            <a:pPr algn="l">
+              <a:defRPr b="1" sz="1200">
+                <a:latin typeface="Helvetica"/>
+                <a:ea typeface="Helvetica"/>
+                <a:cs typeface="Helvetica"/>
+                <a:sym typeface="Helvetica"/>
+              </a:defRPr>
+            </a:pPr>
+            <a:r>
+              <a:rPr b="0">
+                <a:latin typeface="+mn-lt"/>
+                <a:ea typeface="+mn-ea"/>
+                <a:cs typeface="+mn-cs"/>
+                <a:sym typeface="Helvetica Light"/>
+              </a:rPr>
+              <a:t>5. Model selection (Model API/Serv)</a:t>
+            </a:r>
+            <a:endParaRPr b="0">
+              <a:latin typeface="+mn-lt"/>
+              <a:ea typeface="+mn-ea"/>
+              <a:cs typeface="+mn-cs"/>
+              <a:sym typeface="Helvetica Light"/>
+            </a:endParaRPr>
+          </a:p>
+          <a:p>
+            <a:pPr marL="211666" indent="-211666" algn="l">
+              <a:buSzPct val="100000"/>
+              <a:buAutoNum type="arabicPeriod" startAt="1"/>
+              <a:defRPr b="1" sz="1200">
+                <a:latin typeface="Helvetica"/>
+                <a:ea typeface="Helvetica"/>
+                <a:cs typeface="Helvetica"/>
+                <a:sym typeface="Helvetica"/>
+              </a:defRPr>
+            </a:pPr>
+            <a:r>
+              <a:rPr b="0">
+                <a:latin typeface="+mn-lt"/>
+                <a:ea typeface="+mn-ea"/>
+                <a:cs typeface="+mn-cs"/>
+                <a:sym typeface="Helvetica Light"/>
+              </a:rPr>
+              <a:t>Get </a:t>
+            </a:r>
+            <a:r>
+              <a:t>model</a:t>
+            </a:r>
+            <a:r>
+              <a:rPr b="0">
+                <a:latin typeface="+mn-lt"/>
+                <a:ea typeface="+mn-ea"/>
+                <a:cs typeface="+mn-cs"/>
+                <a:sym typeface="Helvetica Light"/>
+              </a:rPr>
+              <a:t> info by specific client</a:t>
+            </a:r>
+            <a:endParaRPr b="0">
+              <a:latin typeface="+mn-lt"/>
+              <a:ea typeface="+mn-ea"/>
+              <a:cs typeface="+mn-cs"/>
+              <a:sym typeface="Helvetica Light"/>
+            </a:endParaRPr>
+          </a:p>
+          <a:p>
+            <a:pPr marL="211666" indent="-211666" algn="l">
+              <a:buSzPct val="100000"/>
+              <a:buAutoNum type="arabicPeriod" startAt="1"/>
+              <a:defRPr sz="1200"/>
+            </a:pPr>
+            <a:r>
+              <a:t>Client select one of the model as the model</a:t>
+            </a:r>
+          </a:p>
+          <a:p>
+            <a:pPr algn="l">
+              <a:defRPr sz="1200"/>
+            </a:pPr>
+            <a:r>
+              <a:t>used for </a:t>
+            </a:r>
+            <a:r>
+              <a:rPr b="1">
+                <a:latin typeface="Helvetica"/>
+                <a:ea typeface="Helvetica"/>
+                <a:cs typeface="Helvetica"/>
+                <a:sym typeface="Helvetica"/>
+              </a:rPr>
+              <a:t>prediction</a:t>
+            </a:r>
+            <a:r>
+              <a:t> under a specific task </a:t>
+            </a:r>
+          </a:p>
+          <a:p>
+            <a:pPr algn="l">
+              <a:defRPr sz="1200"/>
+            </a:pPr>
+          </a:p>
+          <a:p>
+            <a:pPr algn="l">
+              <a:defRPr b="1" sz="1200">
+                <a:latin typeface="Helvetica"/>
+                <a:ea typeface="Helvetica"/>
+                <a:cs typeface="Helvetica"/>
+                <a:sym typeface="Helvetica"/>
+              </a:defRPr>
+            </a:pPr>
+            <a:r>
+              <a:rPr b="0">
+                <a:latin typeface="+mn-lt"/>
+                <a:ea typeface="+mn-ea"/>
+                <a:cs typeface="+mn-cs"/>
+                <a:sym typeface="Helvetica Light"/>
+              </a:rPr>
+              <a:t>5. Prediction (Prediction API/Serv)</a:t>
+            </a:r>
+            <a:endParaRPr b="0">
+              <a:latin typeface="+mn-lt"/>
+              <a:ea typeface="+mn-ea"/>
+              <a:cs typeface="+mn-cs"/>
+              <a:sym typeface="Helvetica Light"/>
+            </a:endParaRPr>
+          </a:p>
+          <a:p>
+            <a:pPr marL="211666" indent="-211666" algn="l">
+              <a:buSzPct val="100000"/>
+              <a:buAutoNum type="arabicPeriod" startAt="1"/>
+              <a:defRPr b="1" sz="1200">
+                <a:latin typeface="Helvetica"/>
+                <a:ea typeface="Helvetica"/>
+                <a:cs typeface="Helvetica"/>
+                <a:sym typeface="Helvetica"/>
+              </a:defRPr>
+            </a:pPr>
+            <a:r>
+              <a:rPr b="0">
+                <a:latin typeface="+mn-lt"/>
+                <a:ea typeface="+mn-ea"/>
+                <a:cs typeface="+mn-cs"/>
+                <a:sym typeface="Helvetica Light"/>
+              </a:rPr>
+              <a:t>Load selected </a:t>
+            </a:r>
+            <a:r>
+              <a:t>model</a:t>
+            </a:r>
+            <a:r>
+              <a:rPr b="0">
+                <a:latin typeface="+mn-lt"/>
+                <a:ea typeface="+mn-ea"/>
+                <a:cs typeface="+mn-cs"/>
+                <a:sym typeface="Helvetica Light"/>
+              </a:rPr>
+              <a:t> info by specific client and</a:t>
+            </a:r>
+            <a:r>
+              <a:t> task  to  </a:t>
+            </a:r>
           </a:p>
         </p:txBody>
       </p:sp>
